--- a/Presentations/Third Presentation.pptx
+++ b/Presentations/Third Presentation.pptx
@@ -117,7 +117,7 @@
   </p:defaultTextStyle>
   <p:extLst>
     <p:ext uri="{EFAFB233-063F-42B5-8137-9DF3F51BA10A}">
-      <p15:sldGuideLst xmlns:p15="http://schemas.microsoft.com/office/powerpoint/2012/main"/>
+      <p15:sldGuideLst xmlns:p15="http://schemas.microsoft.com/office/powerpoint/2012/main" xmlns=""/>
     </p:ext>
   </p:extLst>
 </p:presentation>
@@ -304,7 +304,8 @@
           <a:p>
             <a:fld id="{75A107FE-3155-4664-8B4E-99C3E84629D4}" type="datetimeFigureOut">
               <a:rPr lang="en-GB" smtClean="0"/>
-              <a:t>26/03/2017</a:t>
+              <a:pPr/>
+              <a:t>28/03/2017</a:t>
             </a:fld>
             <a:endParaRPr lang="en-GB"/>
           </a:p>
@@ -346,6 +347,7 @@
           <a:p>
             <a:fld id="{93CD2E68-9162-4675-9DC9-4353759718D0}" type="slidenum">
               <a:rPr lang="en-GB" smtClean="0"/>
+              <a:pPr/>
               <a:t>‹#›</a:t>
             </a:fld>
             <a:endParaRPr lang="en-GB"/>
@@ -355,7 +357,7 @@
     </p:spTree>
     <p:extLst>
       <p:ext uri="{BB962C8B-B14F-4D97-AF65-F5344CB8AC3E}">
-        <p14:creationId xmlns:p14="http://schemas.microsoft.com/office/powerpoint/2010/main" val="111377272"/>
+        <p14:creationId xmlns:p14="http://schemas.microsoft.com/office/powerpoint/2010/main" xmlns="" val="111377272"/>
       </p:ext>
     </p:extLst>
   </p:cSld>
@@ -474,7 +476,8 @@
           <a:p>
             <a:fld id="{75A107FE-3155-4664-8B4E-99C3E84629D4}" type="datetimeFigureOut">
               <a:rPr lang="en-GB" smtClean="0"/>
-              <a:t>26/03/2017</a:t>
+              <a:pPr/>
+              <a:t>28/03/2017</a:t>
             </a:fld>
             <a:endParaRPr lang="en-GB"/>
           </a:p>
@@ -516,6 +519,7 @@
           <a:p>
             <a:fld id="{93CD2E68-9162-4675-9DC9-4353759718D0}" type="slidenum">
               <a:rPr lang="en-GB" smtClean="0"/>
+              <a:pPr/>
               <a:t>‹#›</a:t>
             </a:fld>
             <a:endParaRPr lang="en-GB"/>
@@ -525,7 +529,7 @@
     </p:spTree>
     <p:extLst>
       <p:ext uri="{BB962C8B-B14F-4D97-AF65-F5344CB8AC3E}">
-        <p14:creationId xmlns:p14="http://schemas.microsoft.com/office/powerpoint/2010/main" val="2064735472"/>
+        <p14:creationId xmlns:p14="http://schemas.microsoft.com/office/powerpoint/2010/main" xmlns="" val="2064735472"/>
       </p:ext>
     </p:extLst>
   </p:cSld>
@@ -697,7 +701,8 @@
           <a:p>
             <a:fld id="{75A107FE-3155-4664-8B4E-99C3E84629D4}" type="datetimeFigureOut">
               <a:rPr lang="en-GB" smtClean="0"/>
-              <a:t>26/03/2017</a:t>
+              <a:pPr/>
+              <a:t>28/03/2017</a:t>
             </a:fld>
             <a:endParaRPr lang="en-GB"/>
           </a:p>
@@ -749,6 +754,7 @@
           <a:p>
             <a:fld id="{93CD2E68-9162-4675-9DC9-4353759718D0}" type="slidenum">
               <a:rPr lang="en-GB" smtClean="0"/>
+              <a:pPr/>
               <a:t>‹#›</a:t>
             </a:fld>
             <a:endParaRPr lang="en-GB"/>
@@ -758,7 +764,7 @@
     </p:spTree>
     <p:extLst>
       <p:ext uri="{BB962C8B-B14F-4D97-AF65-F5344CB8AC3E}">
-        <p14:creationId xmlns:p14="http://schemas.microsoft.com/office/powerpoint/2010/main" val="1561128754"/>
+        <p14:creationId xmlns:p14="http://schemas.microsoft.com/office/powerpoint/2010/main" xmlns="" val="1561128754"/>
       </p:ext>
     </p:extLst>
   </p:cSld>
@@ -877,7 +883,8 @@
           <a:p>
             <a:fld id="{75A107FE-3155-4664-8B4E-99C3E84629D4}" type="datetimeFigureOut">
               <a:rPr lang="en-GB" smtClean="0"/>
-              <a:t>26/03/2017</a:t>
+              <a:pPr/>
+              <a:t>28/03/2017</a:t>
             </a:fld>
             <a:endParaRPr lang="en-GB"/>
           </a:p>
@@ -919,6 +926,7 @@
           <a:p>
             <a:fld id="{93CD2E68-9162-4675-9DC9-4353759718D0}" type="slidenum">
               <a:rPr lang="en-GB" smtClean="0"/>
+              <a:pPr/>
               <a:t>‹#›</a:t>
             </a:fld>
             <a:endParaRPr lang="en-GB"/>
@@ -928,7 +936,7 @@
     </p:spTree>
     <p:extLst>
       <p:ext uri="{BB962C8B-B14F-4D97-AF65-F5344CB8AC3E}">
-        <p14:creationId xmlns:p14="http://schemas.microsoft.com/office/powerpoint/2010/main" val="3816743966"/>
+        <p14:creationId xmlns:p14="http://schemas.microsoft.com/office/powerpoint/2010/main" xmlns="" val="3816743966"/>
       </p:ext>
     </p:extLst>
   </p:cSld>
@@ -1183,7 +1191,8 @@
           <a:p>
             <a:fld id="{75A107FE-3155-4664-8B4E-99C3E84629D4}" type="datetimeFigureOut">
               <a:rPr lang="en-GB" smtClean="0"/>
-              <a:t>26/03/2017</a:t>
+              <a:pPr/>
+              <a:t>28/03/2017</a:t>
             </a:fld>
             <a:endParaRPr lang="en-GB"/>
           </a:p>
@@ -1241,6 +1250,7 @@
           <a:p>
             <a:fld id="{93CD2E68-9162-4675-9DC9-4353759718D0}" type="slidenum">
               <a:rPr lang="en-GB" smtClean="0"/>
+              <a:pPr/>
               <a:t>‹#›</a:t>
             </a:fld>
             <a:endParaRPr lang="en-GB"/>
@@ -1250,7 +1260,7 @@
     </p:spTree>
     <p:extLst>
       <p:ext uri="{BB962C8B-B14F-4D97-AF65-F5344CB8AC3E}">
-        <p14:creationId xmlns:p14="http://schemas.microsoft.com/office/powerpoint/2010/main" val="90193118"/>
+        <p14:creationId xmlns:p14="http://schemas.microsoft.com/office/powerpoint/2010/main" xmlns="" val="90193118"/>
       </p:ext>
     </p:extLst>
   </p:cSld>
@@ -1487,7 +1497,8 @@
           <a:p>
             <a:fld id="{75A107FE-3155-4664-8B4E-99C3E84629D4}" type="datetimeFigureOut">
               <a:rPr lang="en-GB" smtClean="0"/>
-              <a:t>26/03/2017</a:t>
+              <a:pPr/>
+              <a:t>28/03/2017</a:t>
             </a:fld>
             <a:endParaRPr lang="en-GB"/>
           </a:p>
@@ -1529,6 +1540,7 @@
           <a:p>
             <a:fld id="{93CD2E68-9162-4675-9DC9-4353759718D0}" type="slidenum">
               <a:rPr lang="en-GB" smtClean="0"/>
+              <a:pPr/>
               <a:t>‹#›</a:t>
             </a:fld>
             <a:endParaRPr lang="en-GB"/>
@@ -1538,7 +1550,7 @@
     </p:spTree>
     <p:extLst>
       <p:ext uri="{BB962C8B-B14F-4D97-AF65-F5344CB8AC3E}">
-        <p14:creationId xmlns:p14="http://schemas.microsoft.com/office/powerpoint/2010/main" val="3802660041"/>
+        <p14:creationId xmlns:p14="http://schemas.microsoft.com/office/powerpoint/2010/main" xmlns="" val="3802660041"/>
       </p:ext>
     </p:extLst>
   </p:cSld>
@@ -1909,7 +1921,8 @@
           <a:p>
             <a:fld id="{75A107FE-3155-4664-8B4E-99C3E84629D4}" type="datetimeFigureOut">
               <a:rPr lang="en-GB" smtClean="0"/>
-              <a:t>26/03/2017</a:t>
+              <a:pPr/>
+              <a:t>28/03/2017</a:t>
             </a:fld>
             <a:endParaRPr lang="en-GB"/>
           </a:p>
@@ -1951,6 +1964,7 @@
           <a:p>
             <a:fld id="{93CD2E68-9162-4675-9DC9-4353759718D0}" type="slidenum">
               <a:rPr lang="en-GB" smtClean="0"/>
+              <a:pPr/>
               <a:t>‹#›</a:t>
             </a:fld>
             <a:endParaRPr lang="en-GB"/>
@@ -1960,7 +1974,7 @@
     </p:spTree>
     <p:extLst>
       <p:ext uri="{BB962C8B-B14F-4D97-AF65-F5344CB8AC3E}">
-        <p14:creationId xmlns:p14="http://schemas.microsoft.com/office/powerpoint/2010/main" val="3710411344"/>
+        <p14:creationId xmlns:p14="http://schemas.microsoft.com/office/powerpoint/2010/main" xmlns="" val="3710411344"/>
       </p:ext>
     </p:extLst>
   </p:cSld>
@@ -2027,7 +2041,8 @@
           <a:p>
             <a:fld id="{75A107FE-3155-4664-8B4E-99C3E84629D4}" type="datetimeFigureOut">
               <a:rPr lang="en-GB" smtClean="0"/>
-              <a:t>26/03/2017</a:t>
+              <a:pPr/>
+              <a:t>28/03/2017</a:t>
             </a:fld>
             <a:endParaRPr lang="en-GB"/>
           </a:p>
@@ -2069,6 +2084,7 @@
           <a:p>
             <a:fld id="{93CD2E68-9162-4675-9DC9-4353759718D0}" type="slidenum">
               <a:rPr lang="en-GB" smtClean="0"/>
+              <a:pPr/>
               <a:t>‹#›</a:t>
             </a:fld>
             <a:endParaRPr lang="en-GB"/>
@@ -2078,7 +2094,7 @@
     </p:spTree>
     <p:extLst>
       <p:ext uri="{BB962C8B-B14F-4D97-AF65-F5344CB8AC3E}">
-        <p14:creationId xmlns:p14="http://schemas.microsoft.com/office/powerpoint/2010/main" val="3146496805"/>
+        <p14:creationId xmlns:p14="http://schemas.microsoft.com/office/powerpoint/2010/main" xmlns="" val="3146496805"/>
       </p:ext>
     </p:extLst>
   </p:cSld>
@@ -2122,7 +2138,8 @@
           <a:p>
             <a:fld id="{75A107FE-3155-4664-8B4E-99C3E84629D4}" type="datetimeFigureOut">
               <a:rPr lang="en-GB" smtClean="0"/>
-              <a:t>26/03/2017</a:t>
+              <a:pPr/>
+              <a:t>28/03/2017</a:t>
             </a:fld>
             <a:endParaRPr lang="en-GB"/>
           </a:p>
@@ -2164,6 +2181,7 @@
           <a:p>
             <a:fld id="{93CD2E68-9162-4675-9DC9-4353759718D0}" type="slidenum">
               <a:rPr lang="en-GB" smtClean="0"/>
+              <a:pPr/>
               <a:t>‹#›</a:t>
             </a:fld>
             <a:endParaRPr lang="en-GB"/>
@@ -2173,7 +2191,7 @@
     </p:spTree>
     <p:extLst>
       <p:ext uri="{BB962C8B-B14F-4D97-AF65-F5344CB8AC3E}">
-        <p14:creationId xmlns:p14="http://schemas.microsoft.com/office/powerpoint/2010/main" val="1986634402"/>
+        <p14:creationId xmlns:p14="http://schemas.microsoft.com/office/powerpoint/2010/main" xmlns="" val="1986634402"/>
       </p:ext>
     </p:extLst>
   </p:cSld>
@@ -2395,7 +2413,8 @@
           <a:p>
             <a:fld id="{75A107FE-3155-4664-8B4E-99C3E84629D4}" type="datetimeFigureOut">
               <a:rPr lang="en-GB" smtClean="0"/>
-              <a:t>26/03/2017</a:t>
+              <a:pPr/>
+              <a:t>28/03/2017</a:t>
             </a:fld>
             <a:endParaRPr lang="en-GB"/>
           </a:p>
@@ -2437,6 +2456,7 @@
           <a:p>
             <a:fld id="{93CD2E68-9162-4675-9DC9-4353759718D0}" type="slidenum">
               <a:rPr lang="en-GB" smtClean="0"/>
+              <a:pPr/>
               <a:t>‹#›</a:t>
             </a:fld>
             <a:endParaRPr lang="en-GB"/>
@@ -2446,7 +2466,7 @@
     </p:spTree>
     <p:extLst>
       <p:ext uri="{BB962C8B-B14F-4D97-AF65-F5344CB8AC3E}">
-        <p14:creationId xmlns:p14="http://schemas.microsoft.com/office/powerpoint/2010/main" val="2675696475"/>
+        <p14:creationId xmlns:p14="http://schemas.microsoft.com/office/powerpoint/2010/main" xmlns="" val="2675696475"/>
       </p:ext>
     </p:extLst>
   </p:cSld>
@@ -2660,7 +2680,8 @@
           <a:p>
             <a:fld id="{75A107FE-3155-4664-8B4E-99C3E84629D4}" type="datetimeFigureOut">
               <a:rPr lang="en-GB" smtClean="0"/>
-              <a:t>26/03/2017</a:t>
+              <a:pPr/>
+              <a:t>28/03/2017</a:t>
             </a:fld>
             <a:endParaRPr lang="en-GB"/>
           </a:p>
@@ -2702,6 +2723,7 @@
           <a:p>
             <a:fld id="{93CD2E68-9162-4675-9DC9-4353759718D0}" type="slidenum">
               <a:rPr lang="en-GB" smtClean="0"/>
+              <a:pPr/>
               <a:t>‹#›</a:t>
             </a:fld>
             <a:endParaRPr lang="en-GB"/>
@@ -2711,7 +2733,7 @@
     </p:spTree>
     <p:extLst>
       <p:ext uri="{BB962C8B-B14F-4D97-AF65-F5344CB8AC3E}">
-        <p14:creationId xmlns:p14="http://schemas.microsoft.com/office/powerpoint/2010/main" val="2611778572"/>
+        <p14:creationId xmlns:p14="http://schemas.microsoft.com/office/powerpoint/2010/main" xmlns="" val="2611778572"/>
       </p:ext>
     </p:extLst>
   </p:cSld>
@@ -2909,7 +2931,8 @@
           <a:p>
             <a:fld id="{75A107FE-3155-4664-8B4E-99C3E84629D4}" type="datetimeFigureOut">
               <a:rPr lang="en-GB" smtClean="0"/>
-              <a:t>26/03/2017</a:t>
+              <a:pPr/>
+              <a:t>28/03/2017</a:t>
             </a:fld>
             <a:endParaRPr lang="en-GB"/>
           </a:p>
@@ -2983,6 +3006,7 @@
           <a:p>
             <a:fld id="{93CD2E68-9162-4675-9DC9-4353759718D0}" type="slidenum">
               <a:rPr lang="en-GB" smtClean="0"/>
+              <a:pPr/>
               <a:t>‹#›</a:t>
             </a:fld>
             <a:endParaRPr lang="en-GB"/>
@@ -2992,7 +3016,7 @@
     </p:spTree>
     <p:extLst>
       <p:ext uri="{BB962C8B-B14F-4D97-AF65-F5344CB8AC3E}">
-        <p14:creationId xmlns:p14="http://schemas.microsoft.com/office/powerpoint/2010/main" val="1037564929"/>
+        <p14:creationId xmlns:p14="http://schemas.microsoft.com/office/powerpoint/2010/main" xmlns="" val="1037564929"/>
       </p:ext>
     </p:extLst>
   </p:cSld>
@@ -3423,13 +3447,20 @@
     </p:spTree>
     <p:extLst>
       <p:ext uri="{BB962C8B-B14F-4D97-AF65-F5344CB8AC3E}">
-        <p14:creationId xmlns:p14="http://schemas.microsoft.com/office/powerpoint/2010/main" val="1802934661"/>
+        <p14:creationId xmlns:p14="http://schemas.microsoft.com/office/powerpoint/2010/main" xmlns="" val="1802934661"/>
       </p:ext>
     </p:extLst>
   </p:cSld>
   <p:clrMapOvr>
     <a:masterClrMapping/>
   </p:clrMapOvr>
+  <p:timing>
+    <p:tnLst>
+      <p:par>
+        <p:cTn id="1" dur="indefinite" restart="never" nodeType="tmRoot"/>
+      </p:par>
+    </p:tnLst>
+  </p:timing>
 </p:sld>
 </file>
 
@@ -3492,20 +3523,43 @@
           <a:bodyPr/>
           <a:lstStyle/>
           <a:p>
-            <a:endParaRPr lang="en-GB"/>
+            <a:r>
+              <a:rPr lang="en-GB" dirty="0" smtClean="0"/>
+              <a:t>Timer for turns needs to finish after shot has been taken. </a:t>
+            </a:r>
+          </a:p>
+          <a:p>
+            <a:r>
+              <a:rPr lang="en-GB" dirty="0" smtClean="0"/>
+              <a:t>Some minions need to be resizes for fairness. </a:t>
+            </a:r>
+          </a:p>
+          <a:p>
+            <a:r>
+              <a:rPr lang="en-GB" dirty="0" smtClean="0"/>
+              <a:t>Projectile needs to fire from end of the needle. </a:t>
+            </a:r>
+            <a:endParaRPr lang="en-GB" dirty="0"/>
           </a:p>
         </p:txBody>
       </p:sp>
     </p:spTree>
     <p:extLst>
       <p:ext uri="{BB962C8B-B14F-4D97-AF65-F5344CB8AC3E}">
-        <p14:creationId xmlns:p14="http://schemas.microsoft.com/office/powerpoint/2010/main" val="1774936269"/>
+        <p14:creationId xmlns:p14="http://schemas.microsoft.com/office/powerpoint/2010/main" xmlns="" val="1774936269"/>
       </p:ext>
     </p:extLst>
   </p:cSld>
   <p:clrMapOvr>
     <a:masterClrMapping/>
   </p:clrMapOvr>
+  <p:timing>
+    <p:tnLst>
+      <p:par>
+        <p:cTn id="1" dur="indefinite" restart="never" nodeType="tmRoot"/>
+      </p:par>
+    </p:tnLst>
+  </p:timing>
 </p:sld>
 </file>
 
@@ -3568,20 +3622,49 @@
           <a:bodyPr/>
           <a:lstStyle/>
           <a:p>
-            <a:endParaRPr lang="en-GB"/>
+            <a:r>
+              <a:rPr lang="en-GB" dirty="0" smtClean="0"/>
+              <a:t>Focus on polishing what we have</a:t>
+            </a:r>
+          </a:p>
+          <a:p>
+            <a:pPr lvl="1"/>
+            <a:r>
+              <a:rPr lang="en-GB" dirty="0" smtClean="0"/>
+              <a:t>Our current mechanics </a:t>
+            </a:r>
+          </a:p>
+          <a:p>
+            <a:pPr lvl="1"/>
+            <a:r>
+              <a:rPr lang="en-GB" dirty="0" smtClean="0"/>
+              <a:t>Mostly our art </a:t>
+            </a:r>
+            <a:endParaRPr lang="en-GB" dirty="0" smtClean="0"/>
+          </a:p>
+          <a:p>
+            <a:pPr lvl="1"/>
+            <a:endParaRPr lang="en-GB" dirty="0"/>
           </a:p>
         </p:txBody>
       </p:sp>
     </p:spTree>
     <p:extLst>
       <p:ext uri="{BB962C8B-B14F-4D97-AF65-F5344CB8AC3E}">
-        <p14:creationId xmlns:p14="http://schemas.microsoft.com/office/powerpoint/2010/main" val="3179869544"/>
+        <p14:creationId xmlns:p14="http://schemas.microsoft.com/office/powerpoint/2010/main" xmlns="" val="3179869544"/>
       </p:ext>
     </p:extLst>
   </p:cSld>
   <p:clrMapOvr>
     <a:masterClrMapping/>
   </p:clrMapOvr>
+  <p:timing>
+    <p:tnLst>
+      <p:par>
+        <p:cTn id="1" dur="indefinite" restart="never" nodeType="tmRoot"/>
+      </p:par>
+    </p:tnLst>
+  </p:timing>
 </p:sld>
 </file>
 
@@ -3680,13 +3763,20 @@
     </p:spTree>
     <p:extLst>
       <p:ext uri="{BB962C8B-B14F-4D97-AF65-F5344CB8AC3E}">
-        <p14:creationId xmlns:p14="http://schemas.microsoft.com/office/powerpoint/2010/main" val="4057059436"/>
+        <p14:creationId xmlns:p14="http://schemas.microsoft.com/office/powerpoint/2010/main" xmlns="" val="4057059436"/>
       </p:ext>
     </p:extLst>
   </p:cSld>
   <p:clrMapOvr>
     <a:masterClrMapping/>
   </p:clrMapOvr>
+  <p:timing>
+    <p:tnLst>
+      <p:par>
+        <p:cTn id="1" dur="indefinite" restart="never" nodeType="tmRoot"/>
+      </p:par>
+    </p:tnLst>
+  </p:timing>
 </p:sld>
 </file>
 
@@ -3790,13 +3880,20 @@
     </p:spTree>
     <p:extLst>
       <p:ext uri="{BB962C8B-B14F-4D97-AF65-F5344CB8AC3E}">
-        <p14:creationId xmlns:p14="http://schemas.microsoft.com/office/powerpoint/2010/main" val="978737215"/>
+        <p14:creationId xmlns:p14="http://schemas.microsoft.com/office/powerpoint/2010/main" xmlns="" val="978737215"/>
       </p:ext>
     </p:extLst>
   </p:cSld>
   <p:clrMapOvr>
     <a:masterClrMapping/>
   </p:clrMapOvr>
+  <p:timing>
+    <p:tnLst>
+      <p:par>
+        <p:cTn id="1" dur="indefinite" restart="never" nodeType="tmRoot"/>
+      </p:par>
+    </p:tnLst>
+  </p:timing>
 </p:sld>
 </file>
 
@@ -3909,10 +4006,10 @@
           <p:nvPr/>
         </p:nvPicPr>
         <p:blipFill>
-          <a:blip r:embed="rId2">
+          <a:blip r:embed="rId2" cstate="print">
             <a:extLst>
               <a:ext uri="{28A0092B-C50C-407E-A947-70E740481C1C}">
-                <a14:useLocalDpi xmlns:a14="http://schemas.microsoft.com/office/drawing/2010/main" val="0"/>
+                <a14:useLocalDpi xmlns:a14="http://schemas.microsoft.com/office/drawing/2010/main" xmlns="" val="0"/>
               </a:ext>
             </a:extLst>
           </a:blip>
@@ -3933,13 +4030,20 @@
     </p:spTree>
     <p:extLst>
       <p:ext uri="{BB962C8B-B14F-4D97-AF65-F5344CB8AC3E}">
-        <p14:creationId xmlns:p14="http://schemas.microsoft.com/office/powerpoint/2010/main" val="4250762072"/>
+        <p14:creationId xmlns:p14="http://schemas.microsoft.com/office/powerpoint/2010/main" xmlns="" val="4250762072"/>
       </p:ext>
     </p:extLst>
   </p:cSld>
   <p:clrMapOvr>
     <a:masterClrMapping/>
   </p:clrMapOvr>
+  <p:timing>
+    <p:tnLst>
+      <p:par>
+        <p:cTn id="1" dur="indefinite" restart="never" nodeType="tmRoot"/>
+      </p:par>
+    </p:tnLst>
+  </p:timing>
 </p:sld>
 </file>
 
@@ -4093,10 +4197,10 @@
           <p:nvPr/>
         </p:nvPicPr>
         <p:blipFill>
-          <a:blip r:embed="rId2">
+          <a:blip r:embed="rId2" cstate="print">
             <a:extLst>
               <a:ext uri="{28A0092B-C50C-407E-A947-70E740481C1C}">
-                <a14:useLocalDpi xmlns:a14="http://schemas.microsoft.com/office/drawing/2010/main" val="0"/>
+                <a14:useLocalDpi xmlns:a14="http://schemas.microsoft.com/office/drawing/2010/main" xmlns="" val="0"/>
               </a:ext>
             </a:extLst>
           </a:blip>
@@ -4123,10 +4227,10 @@
           <p:nvPr/>
         </p:nvPicPr>
         <p:blipFill>
-          <a:blip r:embed="rId3">
+          <a:blip r:embed="rId3" cstate="print">
             <a:extLst>
               <a:ext uri="{28A0092B-C50C-407E-A947-70E740481C1C}">
-                <a14:useLocalDpi xmlns:a14="http://schemas.microsoft.com/office/drawing/2010/main" val="0"/>
+                <a14:useLocalDpi xmlns:a14="http://schemas.microsoft.com/office/drawing/2010/main" xmlns="" val="0"/>
               </a:ext>
             </a:extLst>
           </a:blip>
@@ -4153,10 +4257,10 @@
           <p:nvPr/>
         </p:nvPicPr>
         <p:blipFill>
-          <a:blip r:embed="rId4">
+          <a:blip r:embed="rId4" cstate="print">
             <a:extLst>
               <a:ext uri="{28A0092B-C50C-407E-A947-70E740481C1C}">
-                <a14:useLocalDpi xmlns:a14="http://schemas.microsoft.com/office/drawing/2010/main" val="0"/>
+                <a14:useLocalDpi xmlns:a14="http://schemas.microsoft.com/office/drawing/2010/main" xmlns="" val="0"/>
               </a:ext>
             </a:extLst>
           </a:blip>
@@ -4183,10 +4287,10 @@
           <p:nvPr/>
         </p:nvPicPr>
         <p:blipFill>
-          <a:blip r:embed="rId5">
+          <a:blip r:embed="rId5" cstate="print">
             <a:extLst>
               <a:ext uri="{28A0092B-C50C-407E-A947-70E740481C1C}">
-                <a14:useLocalDpi xmlns:a14="http://schemas.microsoft.com/office/drawing/2010/main" val="0"/>
+                <a14:useLocalDpi xmlns:a14="http://schemas.microsoft.com/office/drawing/2010/main" xmlns="" val="0"/>
               </a:ext>
             </a:extLst>
           </a:blip>
@@ -4207,13 +4311,20 @@
     </p:spTree>
     <p:extLst>
       <p:ext uri="{BB962C8B-B14F-4D97-AF65-F5344CB8AC3E}">
-        <p14:creationId xmlns:p14="http://schemas.microsoft.com/office/powerpoint/2010/main" val="3911931206"/>
+        <p14:creationId xmlns:p14="http://schemas.microsoft.com/office/powerpoint/2010/main" xmlns="" val="3911931206"/>
       </p:ext>
     </p:extLst>
   </p:cSld>
   <p:clrMapOvr>
     <a:masterClrMapping/>
   </p:clrMapOvr>
+  <p:timing>
+    <p:tnLst>
+      <p:par>
+        <p:cTn id="1" dur="indefinite" restart="never" nodeType="tmRoot"/>
+      </p:par>
+    </p:tnLst>
+  </p:timing>
 </p:sld>
 </file>
 
@@ -4320,10 +4431,10 @@
           <p:nvPr/>
         </p:nvPicPr>
         <p:blipFill>
-          <a:blip r:embed="rId2">
+          <a:blip r:embed="rId2" cstate="print">
             <a:extLst>
               <a:ext uri="{28A0092B-C50C-407E-A947-70E740481C1C}">
-                <a14:useLocalDpi xmlns:a14="http://schemas.microsoft.com/office/drawing/2010/main" val="0"/>
+                <a14:useLocalDpi xmlns:a14="http://schemas.microsoft.com/office/drawing/2010/main" xmlns="" val="0"/>
               </a:ext>
             </a:extLst>
           </a:blip>
@@ -4344,13 +4455,20 @@
     </p:spTree>
     <p:extLst>
       <p:ext uri="{BB962C8B-B14F-4D97-AF65-F5344CB8AC3E}">
-        <p14:creationId xmlns:p14="http://schemas.microsoft.com/office/powerpoint/2010/main" val="2249193201"/>
+        <p14:creationId xmlns:p14="http://schemas.microsoft.com/office/powerpoint/2010/main" xmlns="" val="2249193201"/>
       </p:ext>
     </p:extLst>
   </p:cSld>
   <p:clrMapOvr>
     <a:masterClrMapping/>
   </p:clrMapOvr>
+  <p:timing>
+    <p:tnLst>
+      <p:par>
+        <p:cTn id="1" dur="indefinite" restart="never" nodeType="tmRoot"/>
+      </p:par>
+    </p:tnLst>
+  </p:timing>
 </p:sld>
 </file>
 
@@ -4464,10 +4582,10 @@
           <p:nvPr/>
         </p:nvPicPr>
         <p:blipFill>
-          <a:blip r:embed="rId2">
+          <a:blip r:embed="rId2" cstate="print">
             <a:extLst>
               <a:ext uri="{28A0092B-C50C-407E-A947-70E740481C1C}">
-                <a14:useLocalDpi xmlns:a14="http://schemas.microsoft.com/office/drawing/2010/main" val="0"/>
+                <a14:useLocalDpi xmlns:a14="http://schemas.microsoft.com/office/drawing/2010/main" xmlns="" val="0"/>
               </a:ext>
             </a:extLst>
           </a:blip>
@@ -4488,13 +4606,20 @@
     </p:spTree>
     <p:extLst>
       <p:ext uri="{BB962C8B-B14F-4D97-AF65-F5344CB8AC3E}">
-        <p14:creationId xmlns:p14="http://schemas.microsoft.com/office/powerpoint/2010/main" val="2467551387"/>
+        <p14:creationId xmlns:p14="http://schemas.microsoft.com/office/powerpoint/2010/main" xmlns="" val="2467551387"/>
       </p:ext>
     </p:extLst>
   </p:cSld>
   <p:clrMapOvr>
     <a:masterClrMapping/>
   </p:clrMapOvr>
+  <p:timing>
+    <p:tnLst>
+      <p:par>
+        <p:cTn id="1" dur="indefinite" restart="never" nodeType="tmRoot"/>
+      </p:par>
+    </p:tnLst>
+  </p:timing>
 </p:sld>
 </file>
 
@@ -4608,10 +4733,10 @@
           <p:nvPr/>
         </p:nvPicPr>
         <p:blipFill>
-          <a:blip r:embed="rId2">
+          <a:blip r:embed="rId2" cstate="print">
             <a:extLst>
               <a:ext uri="{28A0092B-C50C-407E-A947-70E740481C1C}">
-                <a14:useLocalDpi xmlns:a14="http://schemas.microsoft.com/office/drawing/2010/main" val="0"/>
+                <a14:useLocalDpi xmlns:a14="http://schemas.microsoft.com/office/drawing/2010/main" xmlns="" val="0"/>
               </a:ext>
             </a:extLst>
           </a:blip>
@@ -4632,13 +4757,20 @@
     </p:spTree>
     <p:extLst>
       <p:ext uri="{BB962C8B-B14F-4D97-AF65-F5344CB8AC3E}">
-        <p14:creationId xmlns:p14="http://schemas.microsoft.com/office/powerpoint/2010/main" val="3968808077"/>
+        <p14:creationId xmlns:p14="http://schemas.microsoft.com/office/powerpoint/2010/main" xmlns="" val="3968808077"/>
       </p:ext>
     </p:extLst>
   </p:cSld>
   <p:clrMapOvr>
     <a:masterClrMapping/>
   </p:clrMapOvr>
+  <p:timing>
+    <p:tnLst>
+      <p:par>
+        <p:cTn id="1" dur="indefinite" restart="never" nodeType="tmRoot"/>
+      </p:par>
+    </p:tnLst>
+  </p:timing>
 </p:sld>
 </file>
 
@@ -4681,21 +4813,33 @@
           <a:p>
             <a:r>
               <a:rPr lang="en-GB" dirty="0"/>
-              <a:t>Prototype version 2 </a:t>
-            </a:r>
+              <a:t>Prototype version </a:t>
+            </a:r>
+            <a:r>
+              <a:rPr lang="en-GB" dirty="0" smtClean="0"/>
+              <a:t>3 </a:t>
+            </a:r>
+            <a:endParaRPr lang="en-GB" dirty="0"/>
           </a:p>
         </p:txBody>
       </p:sp>
     </p:spTree>
     <p:extLst>
       <p:ext uri="{BB962C8B-B14F-4D97-AF65-F5344CB8AC3E}">
-        <p14:creationId xmlns:p14="http://schemas.microsoft.com/office/powerpoint/2010/main" val="3970700967"/>
+        <p14:creationId xmlns:p14="http://schemas.microsoft.com/office/powerpoint/2010/main" xmlns="" val="3970700967"/>
       </p:ext>
     </p:extLst>
   </p:cSld>
   <p:clrMapOvr>
     <a:masterClrMapping/>
   </p:clrMapOvr>
+  <p:timing>
+    <p:tnLst>
+      <p:par>
+        <p:cTn id="1" dur="indefinite" restart="never" nodeType="tmRoot"/>
+      </p:par>
+    </p:tnLst>
+  </p:timing>
 </p:sld>
 </file>
 
@@ -4825,13 +4969,20 @@
     </p:spTree>
     <p:extLst>
       <p:ext uri="{BB962C8B-B14F-4D97-AF65-F5344CB8AC3E}">
-        <p14:creationId xmlns:p14="http://schemas.microsoft.com/office/powerpoint/2010/main" val="3796175979"/>
+        <p14:creationId xmlns:p14="http://schemas.microsoft.com/office/powerpoint/2010/main" xmlns="" val="3796175979"/>
       </p:ext>
     </p:extLst>
   </p:cSld>
   <p:clrMapOvr>
     <a:masterClrMapping/>
   </p:clrMapOvr>
+  <p:timing>
+    <p:tnLst>
+      <p:par>
+        <p:cTn id="1" dur="indefinite" restart="never" nodeType="tmRoot"/>
+      </p:par>
+    </p:tnLst>
+  </p:timing>
 </p:sld>
 </file>
 
@@ -4878,7 +5029,7 @@
     </a:clrScheme>
     <a:fontScheme name="Banded">
       <a:majorFont>
-        <a:latin typeface="Corbel" panose="020B0503020204020204"/>
+        <a:latin typeface="Corbel"/>
         <a:ea typeface=""/>
         <a:cs typeface=""/>
         <a:font script="Jpan" typeface="ＭＳ ゴシック"/>
@@ -4913,7 +5064,7 @@
         <a:font script="Geor" typeface="Sylfaen"/>
       </a:majorFont>
       <a:minorFont>
-        <a:latin typeface="Corbel" panose="020B0503020204020204"/>
+        <a:latin typeface="Corbel"/>
         <a:ea typeface=""/>
         <a:cs typeface=""/>
         <a:font script="Jpan" typeface="ＭＳ ゴシック"/>
@@ -5094,7 +5245,7 @@
   <a:extraClrSchemeLst/>
   <a:extLst>
     <a:ext uri="{05A4C25C-085E-4340-85A3-A5531E510DB2}">
-      <thm15:themeFamily xmlns:thm15="http://schemas.microsoft.com/office/thememl/2012/main" name="Banded" id="{98DFF888-2449-4D28-977C-6306C017633E}" vid="{C3935CB6-B0E3-44A7-AB37-996D901F73AB}"/>
+      <thm15:themeFamily xmlns:thm15="http://schemas.microsoft.com/office/thememl/2012/main" xmlns="" name="Banded" id="{98DFF888-2449-4D28-977C-6306C017633E}" vid="{C3935CB6-B0E3-44A7-AB37-996D901F73AB}"/>
     </a:ext>
   </a:extLst>
 </a:theme>
